--- a/Angular/Angular notes/communication in components.pptx
+++ b/Angular/Angular notes/communication in components.pptx
@@ -243,7 +243,7 @@
           <a:p>
             <a:fld id="{DEBAD070-57ED-4321-BE22-0613CDB4D8C0}" type="datetimeFigureOut">
               <a:rPr lang="en-US" smtClean="0"/>
-              <a:t>8/25/2020</a:t>
+              <a:t>9/10/2020</a:t>
             </a:fld>
             <a:endParaRPr lang="en-US"/>
           </a:p>
@@ -413,7 +413,7 @@
           <a:p>
             <a:fld id="{DEBAD070-57ED-4321-BE22-0613CDB4D8C0}" type="datetimeFigureOut">
               <a:rPr lang="en-US" smtClean="0"/>
-              <a:t>8/25/2020</a:t>
+              <a:t>9/10/2020</a:t>
             </a:fld>
             <a:endParaRPr lang="en-US"/>
           </a:p>
@@ -593,7 +593,7 @@
           <a:p>
             <a:fld id="{DEBAD070-57ED-4321-BE22-0613CDB4D8C0}" type="datetimeFigureOut">
               <a:rPr lang="en-US" smtClean="0"/>
-              <a:t>8/25/2020</a:t>
+              <a:t>9/10/2020</a:t>
             </a:fld>
             <a:endParaRPr lang="en-US"/>
           </a:p>
@@ -763,7 +763,7 @@
           <a:p>
             <a:fld id="{DEBAD070-57ED-4321-BE22-0613CDB4D8C0}" type="datetimeFigureOut">
               <a:rPr lang="en-US" smtClean="0"/>
-              <a:t>8/25/2020</a:t>
+              <a:t>9/10/2020</a:t>
             </a:fld>
             <a:endParaRPr lang="en-US"/>
           </a:p>
@@ -1009,7 +1009,7 @@
           <a:p>
             <a:fld id="{DEBAD070-57ED-4321-BE22-0613CDB4D8C0}" type="datetimeFigureOut">
               <a:rPr lang="en-US" smtClean="0"/>
-              <a:t>8/25/2020</a:t>
+              <a:t>9/10/2020</a:t>
             </a:fld>
             <a:endParaRPr lang="en-US"/>
           </a:p>
@@ -1241,7 +1241,7 @@
           <a:p>
             <a:fld id="{DEBAD070-57ED-4321-BE22-0613CDB4D8C0}" type="datetimeFigureOut">
               <a:rPr lang="en-US" smtClean="0"/>
-              <a:t>8/25/2020</a:t>
+              <a:t>9/10/2020</a:t>
             </a:fld>
             <a:endParaRPr lang="en-US"/>
           </a:p>
@@ -1608,7 +1608,7 @@
           <a:p>
             <a:fld id="{DEBAD070-57ED-4321-BE22-0613CDB4D8C0}" type="datetimeFigureOut">
               <a:rPr lang="en-US" smtClean="0"/>
-              <a:t>8/25/2020</a:t>
+              <a:t>9/10/2020</a:t>
             </a:fld>
             <a:endParaRPr lang="en-US"/>
           </a:p>
@@ -1726,7 +1726,7 @@
           <a:p>
             <a:fld id="{DEBAD070-57ED-4321-BE22-0613CDB4D8C0}" type="datetimeFigureOut">
               <a:rPr lang="en-US" smtClean="0"/>
-              <a:t>8/25/2020</a:t>
+              <a:t>9/10/2020</a:t>
             </a:fld>
             <a:endParaRPr lang="en-US"/>
           </a:p>
@@ -1821,7 +1821,7 @@
           <a:p>
             <a:fld id="{DEBAD070-57ED-4321-BE22-0613CDB4D8C0}" type="datetimeFigureOut">
               <a:rPr lang="en-US" smtClean="0"/>
-              <a:t>8/25/2020</a:t>
+              <a:t>9/10/2020</a:t>
             </a:fld>
             <a:endParaRPr lang="en-US"/>
           </a:p>
@@ -2098,7 +2098,7 @@
           <a:p>
             <a:fld id="{DEBAD070-57ED-4321-BE22-0613CDB4D8C0}" type="datetimeFigureOut">
               <a:rPr lang="en-US" smtClean="0"/>
-              <a:t>8/25/2020</a:t>
+              <a:t>9/10/2020</a:t>
             </a:fld>
             <a:endParaRPr lang="en-US"/>
           </a:p>
@@ -2351,7 +2351,7 @@
           <a:p>
             <a:fld id="{DEBAD070-57ED-4321-BE22-0613CDB4D8C0}" type="datetimeFigureOut">
               <a:rPr lang="en-US" smtClean="0"/>
-              <a:t>8/25/2020</a:t>
+              <a:t>9/10/2020</a:t>
             </a:fld>
             <a:endParaRPr lang="en-US"/>
           </a:p>
@@ -2564,7 +2564,7 @@
           <a:p>
             <a:fld id="{DEBAD070-57ED-4321-BE22-0613CDB4D8C0}" type="datetimeFigureOut">
               <a:rPr lang="en-US" smtClean="0"/>
-              <a:t>8/25/2020</a:t>
+              <a:t>9/10/2020</a:t>
             </a:fld>
             <a:endParaRPr lang="en-US"/>
           </a:p>
@@ -4386,7 +4386,7 @@
         </p:nvSpPr>
         <p:spPr>
           <a:xfrm>
-            <a:off x="2028496" y="4450060"/>
+            <a:off x="2028496" y="4514455"/>
             <a:ext cx="5675587" cy="923330"/>
           </a:xfrm>
           <a:prstGeom prst="rect">
@@ -4617,7 +4617,7 @@
     </a:clrScheme>
     <a:fontScheme name="Office">
       <a:majorFont>
-        <a:latin typeface="Calibri Light" panose="020F0302020204030204"/>
+        <a:latin typeface="Calibri Light"/>
         <a:ea typeface=""/>
         <a:cs typeface=""/>
         <a:font script="Jpan" typeface="游ゴシック Light"/>
@@ -4652,7 +4652,7 @@
         <a:font script="Geor" typeface="Sylfaen"/>
       </a:majorFont>
       <a:minorFont>
-        <a:latin typeface="Calibri" panose="020F0502020204030204"/>
+        <a:latin typeface="Calibri"/>
         <a:ea typeface=""/>
         <a:cs typeface=""/>
         <a:font script="Jpan" typeface="游ゴシック"/>
@@ -4829,7 +4829,7 @@
   <a:extraClrSchemeLst/>
   <a:extLst>
     <a:ext uri="{05A4C25C-085E-4340-85A3-A5531E510DB2}">
-      <thm15:themeFamily xmlns:thm15="http://schemas.microsoft.com/office/thememl/2012/main" name="Office Theme" id="{62F939B6-93AF-4DB8-9C6B-D6C7DFDC589F}" vid="{4A3C46E8-61CC-4603-A589-7422A47A8E4A}"/>
+      <thm15:themeFamily xmlns:thm15="http://schemas.microsoft.com/office/thememl/2012/main" xmlns="" name="Office Theme" id="{62F939B6-93AF-4DB8-9C6B-D6C7DFDC589F}" vid="{4A3C46E8-61CC-4603-A589-7422A47A8E4A}"/>
     </a:ext>
   </a:extLst>
 </a:theme>
